--- a/2019/VII. Progressive Web Apps/7.4 nginx, prerende.io, https/nginx.pptx
+++ b/2019/VII. Progressive Web Apps/7.4 nginx, prerende.io, https/nginx.pptx
@@ -8839,43 +8839,32 @@
       </p:sp>
       <p:pic>
         <p:nvPicPr>
-          <p:cNvPr id="2054" name="Picture 6" descr="ÐÐ°ÑÑÐ¸Ð½ÐºÐ¸ Ð¿Ð¾ Ð·Ð°Ð¿ÑÐ¾ÑÑ Ð´ÑÐº java"/>
+          <p:cNvPr id="9" name="Рисунок 8">
+            <a:extLst>
+              <a:ext uri="{FF2B5EF4-FFF2-40B4-BE49-F238E27FC236}">
+                <a16:creationId xmlns:a16="http://schemas.microsoft.com/office/drawing/2014/main" id="{63790303-930D-D944-94C7-74206CB1AA47}"/>
+              </a:ext>
+            </a:extLst>
+          </p:cNvPr>
           <p:cNvPicPr>
-            <a:picLocks noChangeAspect="1" noChangeArrowheads="1"/>
+            <a:picLocks noChangeAspect="1"/>
           </p:cNvPicPr>
           <p:nvPr/>
         </p:nvPicPr>
         <p:blipFill>
-          <a:blip r:embed="rId2">
-            <a:extLst>
-              <a:ext uri="{28A0092B-C50C-407E-A947-70E740481C1C}">
-                <a14:useLocalDpi xmlns:a14="http://schemas.microsoft.com/office/drawing/2010/main" val="0"/>
-              </a:ext>
-            </a:extLst>
-          </a:blip>
-          <a:srcRect/>
+          <a:blip r:embed="rId2"/>
           <a:stretch>
             <a:fillRect/>
           </a:stretch>
         </p:blipFill>
-        <p:spPr bwMode="auto">
+        <p:spPr>
           <a:xfrm>
-            <a:off x="5889399" y="1130941"/>
-            <a:ext cx="1871462" cy="3368632"/>
+            <a:off x="5571067" y="1373717"/>
+            <a:ext cx="2616200" cy="2668524"/>
           </a:xfrm>
           <a:prstGeom prst="rect">
             <a:avLst/>
           </a:prstGeom>
-          <a:noFill/>
-          <a:extLst>
-            <a:ext uri="{909E8E84-426E-40DD-AFC4-6F175D3DCCD1}">
-              <a14:hiddenFill xmlns:a14="http://schemas.microsoft.com/office/drawing/2010/main">
-                <a:solidFill>
-                  <a:srgbClr val="FFFFFF"/>
-                </a:solidFill>
-              </a14:hiddenFill>
-            </a:ext>
-          </a:extLst>
         </p:spPr>
       </p:pic>
     </p:spTree>
@@ -9379,43 +9368,32 @@
       </p:sp>
       <p:pic>
         <p:nvPicPr>
-          <p:cNvPr id="2054" name="Picture 6" descr="ÐÐ°ÑÑÐ¸Ð½ÐºÐ¸ Ð¿Ð¾ Ð·Ð°Ð¿ÑÐ¾ÑÑ Ð´ÑÐº java"/>
+          <p:cNvPr id="9" name="Рисунок 8">
+            <a:extLst>
+              <a:ext uri="{FF2B5EF4-FFF2-40B4-BE49-F238E27FC236}">
+                <a16:creationId xmlns:a16="http://schemas.microsoft.com/office/drawing/2014/main" id="{D53A7D7A-E013-0749-88EE-5C7E79B40C90}"/>
+              </a:ext>
+            </a:extLst>
+          </p:cNvPr>
           <p:cNvPicPr>
-            <a:picLocks noChangeAspect="1" noChangeArrowheads="1"/>
+            <a:picLocks noChangeAspect="1"/>
           </p:cNvPicPr>
           <p:nvPr/>
         </p:nvPicPr>
         <p:blipFill>
-          <a:blip r:embed="rId2">
-            <a:extLst>
-              <a:ext uri="{28A0092B-C50C-407E-A947-70E740481C1C}">
-                <a14:useLocalDpi xmlns:a14="http://schemas.microsoft.com/office/drawing/2010/main" val="0"/>
-              </a:ext>
-            </a:extLst>
-          </a:blip>
-          <a:srcRect/>
+          <a:blip r:embed="rId2"/>
           <a:stretch>
             <a:fillRect/>
           </a:stretch>
         </p:blipFill>
-        <p:spPr bwMode="auto">
+        <p:spPr>
           <a:xfrm>
-            <a:off x="5889399" y="1130941"/>
-            <a:ext cx="1871462" cy="3368632"/>
+            <a:off x="5571067" y="1373717"/>
+            <a:ext cx="2616200" cy="2668524"/>
           </a:xfrm>
           <a:prstGeom prst="rect">
             <a:avLst/>
           </a:prstGeom>
-          <a:noFill/>
-          <a:extLst>
-            <a:ext uri="{909E8E84-426E-40DD-AFC4-6F175D3DCCD1}">
-              <a14:hiddenFill xmlns:a14="http://schemas.microsoft.com/office/drawing/2010/main">
-                <a:solidFill>
-                  <a:srgbClr val="FFFFFF"/>
-                </a:solidFill>
-              </a14:hiddenFill>
-            </a:ext>
-          </a:extLst>
         </p:spPr>
       </p:pic>
     </p:spTree>
